--- a/GreeLog_Hack4good_Pitch.pptx
+++ b/GreeLog_Hack4good_Pitch.pptx
@@ -199,7 +199,7 @@
             <a:fld id="{3145C2E5-45C9-954D-B58D-1479FF2ABCBF}" type="datetimeFigureOut">
               <a:rPr lang="en-US" smtClean="0"/>
               <a:pPr/>
-              <a:t>9/15/2014</a:t>
+              <a:t>9/17/2014</a:t>
             </a:fld>
             <a:endParaRPr lang="en-US"/>
           </a:p>
@@ -368,7 +368,7 @@
     </p:spTree>
     <p:extLst>
       <p:ext uri="{BB962C8B-B14F-4D97-AF65-F5344CB8AC3E}">
-        <p14:creationId xmlns:mc="http://schemas.openxmlformats.org/markup-compatibility/2006" xmlns:mv="urn:schemas-microsoft-com:mac:vml" xmlns:p14="http://schemas.microsoft.com/office/powerpoint/2010/main" xmlns="" val="1025001631"/>
+        <p14:creationId xmlns="" xmlns:p14="http://schemas.microsoft.com/office/powerpoint/2010/main" xmlns:mv="urn:schemas-microsoft-com:mac:vml" xmlns:mc="http://schemas.openxmlformats.org/markup-compatibility/2006" val="1025001631"/>
       </p:ext>
     </p:extLst>
   </p:cSld>
@@ -700,7 +700,7 @@
           <a:blip r:embed="rId2" cstate="screen">
             <a:extLst>
               <a:ext uri="{28A0092B-C50C-407E-A947-70E740481C1C}">
-                <a14:useLocalDpi xmlns:mc="http://schemas.openxmlformats.org/markup-compatibility/2006" xmlns:mv="urn:schemas-microsoft-com:mac:vml" xmlns:a14="http://schemas.microsoft.com/office/drawing/2010/main" xmlns=""/>
+                <a14:useLocalDpi xmlns="" xmlns:a14="http://schemas.microsoft.com/office/drawing/2010/main" xmlns:mv="urn:schemas-microsoft-com:mac:vml" xmlns:mc="http://schemas.openxmlformats.org/markup-compatibility/2006"/>
               </a:ext>
             </a:extLst>
           </a:blip>
@@ -729,7 +729,7 @@
           <a:blip r:embed="rId2" cstate="screen">
             <a:extLst>
               <a:ext uri="{28A0092B-C50C-407E-A947-70E740481C1C}">
-                <a14:useLocalDpi xmlns:mc="http://schemas.openxmlformats.org/markup-compatibility/2006" xmlns:mv="urn:schemas-microsoft-com:mac:vml" xmlns:a14="http://schemas.microsoft.com/office/drawing/2010/main" xmlns=""/>
+                <a14:useLocalDpi xmlns="" xmlns:a14="http://schemas.microsoft.com/office/drawing/2010/main" xmlns:mv="urn:schemas-microsoft-com:mac:vml" xmlns:mc="http://schemas.openxmlformats.org/markup-compatibility/2006"/>
               </a:ext>
             </a:extLst>
           </a:blip>
@@ -758,7 +758,7 @@
           <a:blip r:embed="rId3" cstate="screen">
             <a:extLst>
               <a:ext uri="{28A0092B-C50C-407E-A947-70E740481C1C}">
-                <a14:useLocalDpi xmlns:mc="http://schemas.openxmlformats.org/markup-compatibility/2006" xmlns:mv="urn:schemas-microsoft-com:mac:vml" xmlns:a14="http://schemas.microsoft.com/office/drawing/2010/main" xmlns=""/>
+                <a14:useLocalDpi xmlns="" xmlns:a14="http://schemas.microsoft.com/office/drawing/2010/main" xmlns:mv="urn:schemas-microsoft-com:mac:vml" xmlns:mc="http://schemas.openxmlformats.org/markup-compatibility/2006"/>
               </a:ext>
             </a:extLst>
           </a:blip>
@@ -781,7 +781,7 @@
     <a:masterClrMapping/>
   </p:clrMapOvr>
   <mc:AlternateContent xmlns:mc="http://schemas.openxmlformats.org/markup-compatibility/2006">
-    <mc:Choice xmlns:mv="urn:schemas-microsoft-com:mac:vml" xmlns:p14="http://schemas.microsoft.com/office/powerpoint/2010/main" xmlns="" Requires="p14">
+    <mc:Choice xmlns="" xmlns:p14="http://schemas.microsoft.com/office/powerpoint/2010/main" xmlns:mv="urn:schemas-microsoft-com:mac:vml" Requires="p14">
       <p:transition p14:dur="300">
         <p:fade/>
       </p:transition>
@@ -974,7 +974,7 @@
     <a:masterClrMapping/>
   </p:clrMapOvr>
   <mc:AlternateContent xmlns:mc="http://schemas.openxmlformats.org/markup-compatibility/2006">
-    <mc:Choice xmlns:mv="urn:schemas-microsoft-com:mac:vml" xmlns:p14="http://schemas.microsoft.com/office/powerpoint/2010/main" xmlns="" Requires="p14">
+    <mc:Choice xmlns="" xmlns:p14="http://schemas.microsoft.com/office/powerpoint/2010/main" xmlns:mv="urn:schemas-microsoft-com:mac:vml" Requires="p14">
       <p:transition p14:dur="300">
         <p:fade/>
       </p:transition>
@@ -1242,7 +1242,7 @@
             <a:fld id="{B61BEF0D-F0BB-DE4B-95CE-6DB70DBA9567}" type="datetimeFigureOut">
               <a:rPr lang="en-US" dirty="0"/>
               <a:pPr/>
-              <a:t>9/15/2014</a:t>
+              <a:t>9/17/2014</a:t>
             </a:fld>
             <a:endParaRPr lang="en-US" dirty="0"/>
           </a:p>
@@ -1387,7 +1387,7 @@
     <a:masterClrMapping/>
   </p:clrMapOvr>
   <mc:AlternateContent xmlns:mc="http://schemas.openxmlformats.org/markup-compatibility/2006">
-    <mc:Choice xmlns:mv="urn:schemas-microsoft-com:mac:vml" xmlns:p14="http://schemas.microsoft.com/office/powerpoint/2010/main" xmlns="" Requires="p14">
+    <mc:Choice xmlns="" xmlns:p14="http://schemas.microsoft.com/office/powerpoint/2010/main" xmlns:mv="urn:schemas-microsoft-com:mac:vml" Requires="p14">
       <p:transition p14:dur="300">
         <p:fade/>
       </p:transition>
@@ -1592,7 +1592,7 @@
             <a:fld id="{B61BEF0D-F0BB-DE4B-95CE-6DB70DBA9567}" type="datetimeFigureOut">
               <a:rPr lang="en-US" dirty="0"/>
               <a:pPr/>
-              <a:t>9/15/2014</a:t>
+              <a:t>9/17/2014</a:t>
             </a:fld>
             <a:endParaRPr lang="en-US" dirty="0"/>
           </a:p>
@@ -1647,7 +1647,7 @@
     <a:masterClrMapping/>
   </p:clrMapOvr>
   <mc:AlternateContent xmlns:mc="http://schemas.openxmlformats.org/markup-compatibility/2006">
-    <mc:Choice xmlns:mv="urn:schemas-microsoft-com:mac:vml" xmlns:p14="http://schemas.microsoft.com/office/powerpoint/2010/main" xmlns="" Requires="p14">
+    <mc:Choice xmlns="" xmlns:p14="http://schemas.microsoft.com/office/powerpoint/2010/main" xmlns:mv="urn:schemas-microsoft-com:mac:vml" Requires="p14">
       <p:transition p14:dur="300">
         <p:fade/>
       </p:transition>
@@ -1915,7 +1915,7 @@
             <a:fld id="{B61BEF0D-F0BB-DE4B-95CE-6DB70DBA9567}" type="datetimeFigureOut">
               <a:rPr lang="en-US" dirty="0"/>
               <a:pPr/>
-              <a:t>9/15/2014</a:t>
+              <a:t>9/17/2014</a:t>
             </a:fld>
             <a:endParaRPr lang="en-US" dirty="0"/>
           </a:p>
@@ -2052,7 +2052,7 @@
     <a:masterClrMapping/>
   </p:clrMapOvr>
   <mc:AlternateContent xmlns:mc="http://schemas.openxmlformats.org/markup-compatibility/2006">
-    <mc:Choice xmlns:mv="urn:schemas-microsoft-com:mac:vml" xmlns:p14="http://schemas.microsoft.com/office/powerpoint/2010/main" xmlns="" Requires="p14">
+    <mc:Choice xmlns="" xmlns:p14="http://schemas.microsoft.com/office/powerpoint/2010/main" xmlns:mv="urn:schemas-microsoft-com:mac:vml" Requires="p14">
       <p:transition p14:dur="300">
         <p:fade/>
       </p:transition>
@@ -2317,7 +2317,7 @@
             <a:fld id="{B61BEF0D-F0BB-DE4B-95CE-6DB70DBA9567}" type="datetimeFigureOut">
               <a:rPr lang="en-US" dirty="0"/>
               <a:pPr/>
-              <a:t>9/15/2014</a:t>
+              <a:t>9/17/2014</a:t>
             </a:fld>
             <a:endParaRPr lang="en-US" dirty="0"/>
           </a:p>
@@ -2372,7 +2372,7 @@
     <a:masterClrMapping/>
   </p:clrMapOvr>
   <mc:AlternateContent xmlns:mc="http://schemas.openxmlformats.org/markup-compatibility/2006">
-    <mc:Choice xmlns:mv="urn:schemas-microsoft-com:mac:vml" xmlns:p14="http://schemas.microsoft.com/office/powerpoint/2010/main" xmlns="" Requires="p14">
+    <mc:Choice xmlns="" xmlns:p14="http://schemas.microsoft.com/office/powerpoint/2010/main" xmlns:mv="urn:schemas-microsoft-com:mac:vml" Requires="p14">
       <p:transition p14:dur="300">
         <p:fade/>
       </p:transition>
@@ -2495,7 +2495,7 @@
     <a:masterClrMapping/>
   </p:clrMapOvr>
   <mc:AlternateContent xmlns:mc="http://schemas.openxmlformats.org/markup-compatibility/2006">
-    <mc:Choice xmlns:mv="urn:schemas-microsoft-com:mac:vml" xmlns:p14="http://schemas.microsoft.com/office/powerpoint/2010/main" xmlns="" Requires="p14">
+    <mc:Choice xmlns="" xmlns:p14="http://schemas.microsoft.com/office/powerpoint/2010/main" xmlns:mv="urn:schemas-microsoft-com:mac:vml" Requires="p14">
       <p:transition p14:dur="300">
         <p:fade/>
       </p:transition>
@@ -2684,7 +2684,7 @@
     <a:masterClrMapping/>
   </p:clrMapOvr>
   <mc:AlternateContent xmlns:mc="http://schemas.openxmlformats.org/markup-compatibility/2006">
-    <mc:Choice xmlns:mv="urn:schemas-microsoft-com:mac:vml" xmlns:p14="http://schemas.microsoft.com/office/powerpoint/2010/main" xmlns="" Requires="p14">
+    <mc:Choice xmlns="" xmlns:p14="http://schemas.microsoft.com/office/powerpoint/2010/main" xmlns:mv="urn:schemas-microsoft-com:mac:vml" Requires="p14">
       <p:transition p14:dur="300">
         <p:fade/>
       </p:transition>
@@ -2858,7 +2858,7 @@
     <a:masterClrMapping/>
   </p:clrMapOvr>
   <mc:AlternateContent xmlns:mc="http://schemas.openxmlformats.org/markup-compatibility/2006">
-    <mc:Choice xmlns:mv="urn:schemas-microsoft-com:mac:vml" xmlns:p14="http://schemas.microsoft.com/office/powerpoint/2010/main" xmlns="" Requires="p14">
+    <mc:Choice xmlns="" xmlns:p14="http://schemas.microsoft.com/office/powerpoint/2010/main" xmlns:mv="urn:schemas-microsoft-com:mac:vml" Requires="p14">
       <p:transition p14:dur="300">
         <p:fade/>
       </p:transition>
@@ -3174,7 +3174,7 @@
     <a:masterClrMapping/>
   </p:clrMapOvr>
   <mc:AlternateContent xmlns:mc="http://schemas.openxmlformats.org/markup-compatibility/2006">
-    <mc:Choice xmlns:mv="urn:schemas-microsoft-com:mac:vml" xmlns:p14="http://schemas.microsoft.com/office/powerpoint/2010/main" xmlns="" Requires="p14">
+    <mc:Choice xmlns="" xmlns:p14="http://schemas.microsoft.com/office/powerpoint/2010/main" xmlns:mv="urn:schemas-microsoft-com:mac:vml" Requires="p14">
       <p:transition p14:dur="300">
         <p:fade/>
       </p:transition>
@@ -3245,7 +3245,7 @@
     <a:masterClrMapping/>
   </p:clrMapOvr>
   <mc:AlternateContent xmlns:mc="http://schemas.openxmlformats.org/markup-compatibility/2006">
-    <mc:Choice xmlns:mv="urn:schemas-microsoft-com:mac:vml" xmlns:p14="http://schemas.microsoft.com/office/powerpoint/2010/main" xmlns="" Requires="p14">
+    <mc:Choice xmlns="" xmlns:p14="http://schemas.microsoft.com/office/powerpoint/2010/main" xmlns:mv="urn:schemas-microsoft-com:mac:vml" Requires="p14">
       <p:transition p14:dur="300">
         <p:fade/>
       </p:transition>
@@ -3282,7 +3282,7 @@
     <a:masterClrMapping/>
   </p:clrMapOvr>
   <mc:AlternateContent xmlns:mc="http://schemas.openxmlformats.org/markup-compatibility/2006">
-    <mc:Choice xmlns:mv="urn:schemas-microsoft-com:mac:vml" xmlns:p14="http://schemas.microsoft.com/office/powerpoint/2010/main" xmlns="" Requires="p14">
+    <mc:Choice xmlns="" xmlns:p14="http://schemas.microsoft.com/office/powerpoint/2010/main" xmlns:mv="urn:schemas-microsoft-com:mac:vml" Requires="p14">
       <p:transition p14:dur="300">
         <p:fade/>
       </p:transition>
@@ -3479,7 +3479,7 @@
     <a:masterClrMapping/>
   </p:clrMapOvr>
   <mc:AlternateContent xmlns:mc="http://schemas.openxmlformats.org/markup-compatibility/2006">
-    <mc:Choice xmlns:mv="urn:schemas-microsoft-com:mac:vml" xmlns:p14="http://schemas.microsoft.com/office/powerpoint/2010/main" xmlns="" Requires="p14">
+    <mc:Choice xmlns="" xmlns:p14="http://schemas.microsoft.com/office/powerpoint/2010/main" xmlns:mv="urn:schemas-microsoft-com:mac:vml" Requires="p14">
       <p:transition p14:dur="300">
         <p:fade/>
       </p:transition>
@@ -3684,7 +3684,7 @@
     <a:masterClrMapping/>
   </p:clrMapOvr>
   <mc:AlternateContent xmlns:mc="http://schemas.openxmlformats.org/markup-compatibility/2006">
-    <mc:Choice xmlns:mv="urn:schemas-microsoft-com:mac:vml" xmlns:p14="http://schemas.microsoft.com/office/powerpoint/2010/main" xmlns="" Requires="p14">
+    <mc:Choice xmlns="" xmlns:p14="http://schemas.microsoft.com/office/powerpoint/2010/main" xmlns:mv="urn:schemas-microsoft-com:mac:vml" Requires="p14">
       <p:transition p14:dur="300">
         <p:fade/>
       </p:transition>
@@ -4384,7 +4384,7 @@
             <a:fld id="{B61BEF0D-F0BB-DE4B-95CE-6DB70DBA9567}" type="datetimeFigureOut">
               <a:rPr lang="en-US" dirty="0"/>
               <a:pPr/>
-              <a:t>9/15/2014</a:t>
+              <a:t>9/17/2014</a:t>
             </a:fld>
             <a:endParaRPr lang="en-US" dirty="0"/>
           </a:p>
@@ -4479,7 +4479,7 @@
           <a:blip r:embed="rId16" cstate="screen">
             <a:extLst>
               <a:ext uri="{28A0092B-C50C-407E-A947-70E740481C1C}">
-                <a14:useLocalDpi xmlns:mc="http://schemas.openxmlformats.org/markup-compatibility/2006" xmlns:mv="urn:schemas-microsoft-com:mac:vml" xmlns:a14="http://schemas.microsoft.com/office/drawing/2010/main" xmlns=""/>
+                <a14:useLocalDpi xmlns="" xmlns:a14="http://schemas.microsoft.com/office/drawing/2010/main" xmlns:mv="urn:schemas-microsoft-com:mac:vml" xmlns:mc="http://schemas.openxmlformats.org/markup-compatibility/2006"/>
               </a:ext>
             </a:extLst>
           </a:blip>
@@ -4508,7 +4508,7 @@
           <a:blip r:embed="rId16" cstate="screen">
             <a:extLst>
               <a:ext uri="{28A0092B-C50C-407E-A947-70E740481C1C}">
-                <a14:useLocalDpi xmlns:mc="http://schemas.openxmlformats.org/markup-compatibility/2006" xmlns:mv="urn:schemas-microsoft-com:mac:vml" xmlns:a14="http://schemas.microsoft.com/office/drawing/2010/main" xmlns=""/>
+                <a14:useLocalDpi xmlns="" xmlns:a14="http://schemas.microsoft.com/office/drawing/2010/main" xmlns:mv="urn:schemas-microsoft-com:mac:vml" xmlns:mc="http://schemas.openxmlformats.org/markup-compatibility/2006"/>
               </a:ext>
             </a:extLst>
           </a:blip>
@@ -4537,7 +4537,7 @@
           <a:blip r:embed="rId17" cstate="screen">
             <a:extLst>
               <a:ext uri="{28A0092B-C50C-407E-A947-70E740481C1C}">
-                <a14:useLocalDpi xmlns:mc="http://schemas.openxmlformats.org/markup-compatibility/2006" xmlns:mv="urn:schemas-microsoft-com:mac:vml" xmlns:a14="http://schemas.microsoft.com/office/drawing/2010/main" xmlns=""/>
+                <a14:useLocalDpi xmlns="" xmlns:a14="http://schemas.microsoft.com/office/drawing/2010/main" xmlns:mv="urn:schemas-microsoft-com:mac:vml" xmlns:mc="http://schemas.openxmlformats.org/markup-compatibility/2006"/>
               </a:ext>
             </a:extLst>
           </a:blip>
@@ -4574,7 +4574,7 @@
     <p:sldLayoutId id="2147483662" r:id="rId14"/>
   </p:sldLayoutIdLst>
   <mc:AlternateContent xmlns:mc="http://schemas.openxmlformats.org/markup-compatibility/2006">
-    <mc:Choice xmlns:mv="urn:schemas-microsoft-com:mac:vml" xmlns:p14="http://schemas.microsoft.com/office/powerpoint/2010/main" xmlns="" Requires="p14">
+    <mc:Choice xmlns="" xmlns:p14="http://schemas.microsoft.com/office/powerpoint/2010/main" xmlns:mv="urn:schemas-microsoft-com:mac:vml" Requires="p14">
       <p:transition p14:dur="300">
         <p:fade/>
       </p:transition>
@@ -5205,7 +5205,7 @@
     <a:masterClrMapping/>
   </p:clrMapOvr>
   <mc:AlternateContent xmlns:mc="http://schemas.openxmlformats.org/markup-compatibility/2006">
-    <mc:Choice xmlns:mv="urn:schemas-microsoft-com:mac:vml" xmlns:p14="http://schemas.microsoft.com/office/powerpoint/2010/main" xmlns="" Requires="p14">
+    <mc:Choice xmlns="" xmlns:p14="http://schemas.microsoft.com/office/powerpoint/2010/main" xmlns:mv="urn:schemas-microsoft-com:mac:vml" Requires="p14">
       <p:transition p14:dur="300">
         <p:fade/>
       </p:transition>
@@ -5323,7 +5323,7 @@
     <a:masterClrMapping/>
   </p:clrMapOvr>
   <mc:AlternateContent xmlns:mc="http://schemas.openxmlformats.org/markup-compatibility/2006">
-    <mc:Choice xmlns:mv="urn:schemas-microsoft-com:mac:vml" xmlns:p14="http://schemas.microsoft.com/office/powerpoint/2010/main" xmlns="" Requires="p14">
+    <mc:Choice xmlns="" xmlns:p14="http://schemas.microsoft.com/office/powerpoint/2010/main" xmlns:mv="urn:schemas-microsoft-com:mac:vml" Requires="p14">
       <p:transition p14:dur="300">
         <p:fade/>
       </p:transition>
@@ -5432,7 +5432,39 @@
                   <a:schemeClr val="accent1"/>
                 </a:solidFill>
               </a:rPr>
-              <a:t>Every organization assigns some activities such as planting a tree or organizing a cleanliness drive in a locality and individuals/environmentalists will execute the task. </a:t>
+              <a:t>Every organization assigns some activities such as planting a tree or organizing a cleanliness drive in a locality and </a:t>
+            </a:r>
+            <a:r>
+              <a:rPr lang="en-IN" dirty="0" smtClean="0">
+                <a:solidFill>
+                  <a:schemeClr val="accent1"/>
+                </a:solidFill>
+              </a:rPr>
+              <a:t>individuals, volunteers </a:t>
+            </a:r>
+            <a:r>
+              <a:rPr lang="en-IN" dirty="0" smtClean="0">
+                <a:solidFill>
+                  <a:schemeClr val="accent1"/>
+                </a:solidFill>
+              </a:rPr>
+              <a:t>and </a:t>
+            </a:r>
+            <a:r>
+              <a:rPr lang="en-IN" dirty="0" smtClean="0">
+                <a:solidFill>
+                  <a:schemeClr val="accent1"/>
+                </a:solidFill>
+              </a:rPr>
+              <a:t>environmentalists </a:t>
+            </a:r>
+            <a:r>
+              <a:rPr lang="en-IN" dirty="0" smtClean="0">
+                <a:solidFill>
+                  <a:schemeClr val="accent1"/>
+                </a:solidFill>
+              </a:rPr>
+              <a:t>will execute the task. </a:t>
             </a:r>
           </a:p>
         </p:txBody>
@@ -5443,7 +5475,7 @@
     <a:masterClrMapping/>
   </p:clrMapOvr>
   <mc:AlternateContent xmlns:mc="http://schemas.openxmlformats.org/markup-compatibility/2006">
-    <mc:Choice xmlns:mv="urn:schemas-microsoft-com:mac:vml" xmlns:p14="http://schemas.microsoft.com/office/powerpoint/2010/main" xmlns="" Requires="p14">
+    <mc:Choice xmlns="" xmlns:p14="http://schemas.microsoft.com/office/powerpoint/2010/main" xmlns:mv="urn:schemas-microsoft-com:mac:vml" Requires="p14">
       <p:transition p14:dur="300">
         <p:fade/>
       </p:transition>
@@ -5582,7 +5614,7 @@
     <a:masterClrMapping/>
   </p:clrMapOvr>
   <mc:AlternateContent xmlns:mc="http://schemas.openxmlformats.org/markup-compatibility/2006">
-    <mc:Choice xmlns:mv="urn:schemas-microsoft-com:mac:vml" xmlns:p14="http://schemas.microsoft.com/office/powerpoint/2010/main" xmlns="" Requires="p14">
+    <mc:Choice xmlns="" xmlns:p14="http://schemas.microsoft.com/office/powerpoint/2010/main" xmlns:mv="urn:schemas-microsoft-com:mac:vml" Requires="p14">
       <p:transition p14:dur="300">
         <p:fade/>
       </p:transition>
@@ -5648,16 +5680,32 @@
         </p:nvSpPr>
         <p:spPr>
           <a:xfrm>
-            <a:off x="1405717" y="2941213"/>
-            <a:ext cx="7766936" cy="2235471"/>
+            <a:off x="1390968" y="3265678"/>
+            <a:ext cx="7766936" cy="3061381"/>
           </a:xfrm>
         </p:spPr>
         <p:txBody>
           <a:bodyPr>
-            <a:normAutofit lnSpcReduction="10000"/>
+            <a:normAutofit/>
           </a:bodyPr>
           <a:lstStyle/>
           <a:p>
+            <a:r>
+              <a:rPr lang="en-IN" sz="3200" dirty="0" smtClean="0">
+                <a:solidFill>
+                  <a:schemeClr val="accent1"/>
+                </a:solidFill>
+              </a:rPr>
+              <a:t>https</a:t>
+            </a:r>
+            <a:r>
+              <a:rPr lang="en-IN" sz="3200" dirty="0" smtClean="0">
+                <a:solidFill>
+                  <a:schemeClr val="accent1"/>
+                </a:solidFill>
+              </a:rPr>
+              <a:t>://greelog.pythonanywhere.com/</a:t>
+            </a:r>
             <a:endParaRPr lang="en-IN" sz="3200" dirty="0" smtClean="0">
               <a:solidFill>
                 <a:schemeClr val="accent1"/>
@@ -5737,7 +5785,7 @@
     <a:masterClrMapping/>
   </p:clrMapOvr>
   <mc:AlternateContent xmlns:mc="http://schemas.openxmlformats.org/markup-compatibility/2006">
-    <mc:Choice xmlns:mv="urn:schemas-microsoft-com:mac:vml" xmlns:p14="http://schemas.microsoft.com/office/powerpoint/2010/main" xmlns="" Requires="p14">
+    <mc:Choice xmlns="" xmlns:p14="http://schemas.microsoft.com/office/powerpoint/2010/main" xmlns:mv="urn:schemas-microsoft-com:mac:vml" Requires="p14">
       <p:transition p14:dur="300">
         <p:fade/>
       </p:transition>
@@ -5813,47 +5861,10 @@
           </a:bodyPr>
           <a:lstStyle/>
           <a:p>
-            <a:pPr algn="just"/>
-            <a:r>
-              <a:rPr lang="en-IN" dirty="0" smtClean="0">
-                <a:solidFill>
-                  <a:schemeClr val="accent1"/>
-                </a:solidFill>
-              </a:rPr>
-              <a:t>We are planning to enable sharing option in the web </a:t>
-            </a:r>
-            <a:r>
-              <a:rPr lang="en-IN" dirty="0" smtClean="0">
-                <a:solidFill>
-                  <a:schemeClr val="accent1"/>
-                </a:solidFill>
-              </a:rPr>
-              <a:t>&amp; android </a:t>
-            </a:r>
-            <a:r>
-              <a:rPr lang="en-IN" dirty="0" smtClean="0">
-                <a:solidFill>
-                  <a:schemeClr val="accent1"/>
-                </a:solidFill>
-              </a:rPr>
-              <a:t>app </a:t>
-            </a:r>
-            <a:r>
-              <a:rPr lang="en-IN" dirty="0" smtClean="0">
-                <a:solidFill>
-                  <a:schemeClr val="accent1"/>
-                </a:solidFill>
-              </a:rPr>
-              <a:t>which would enable the users to share their work with a much larger audience from </a:t>
-            </a:r>
-            <a:r>
-              <a:rPr lang="en-IN" dirty="0" err="1" smtClean="0">
-                <a:solidFill>
-                  <a:schemeClr val="accent1"/>
-                </a:solidFill>
-              </a:rPr>
-              <a:t>GreeLog</a:t>
-            </a:r>
+            <a:pPr algn="just">
+              <a:buFont typeface="Arial" pitchFamily="34" charset="0"/>
+              <a:buChar char="•"/>
+            </a:pPr>
             <a:r>
               <a:rPr lang="en-IN" dirty="0" smtClean="0">
                 <a:solidFill>
@@ -5863,38 +5874,110 @@
               <a:t> </a:t>
             </a:r>
             <a:r>
-              <a:rPr lang="en-IN" dirty="0" err="1" smtClean="0">
+              <a:rPr lang="en-IN" sz="1950" dirty="0" smtClean="0">
                 <a:solidFill>
                   <a:schemeClr val="accent1"/>
                 </a:solidFill>
               </a:rPr>
-              <a:t>apllications</a:t>
-            </a:r>
-            <a:r>
-              <a:rPr lang="en-IN" dirty="0" smtClean="0">
+              <a:t>We have bought the domain name: </a:t>
+            </a:r>
+            <a:r>
+              <a:rPr lang="en-IN" sz="1950" dirty="0" smtClean="0">
                 <a:solidFill>
                   <a:schemeClr val="accent1"/>
                 </a:solidFill>
+                <a:hlinkClick r:id="rId2"/>
               </a:rPr>
-              <a:t> both on web and android platforms.</a:t>
-            </a:r>
-            <a:endParaRPr lang="en-IN" dirty="0" smtClean="0">
-              <a:solidFill>
-                <a:schemeClr val="accent1"/>
-              </a:solidFill>
-            </a:endParaRPr>
-          </a:p>
-          <a:p>
-            <a:pPr algn="just"/>
-            <a:r>
-              <a:rPr lang="en-IN" dirty="0" smtClean="0">
+              <a:t>ww</a:t>
+            </a:r>
+            <a:r>
+              <a:rPr lang="en-IN" sz="1950" dirty="0" smtClean="0">
                 <a:solidFill>
                   <a:schemeClr val="accent1"/>
                 </a:solidFill>
+                <a:hlinkClick r:id="rId2"/>
               </a:rPr>
-              <a:t>In short, everything else we planned.</a:t>
-            </a:r>
-            <a:endParaRPr lang="en-IN" dirty="0">
+              <a:t>w.greelog.com</a:t>
+            </a:r>
+            <a:r>
+              <a:rPr lang="en-IN" sz="1950" dirty="0" smtClean="0">
+                <a:solidFill>
+                  <a:schemeClr val="accent1"/>
+                </a:solidFill>
+              </a:rPr>
+              <a:t> and are planning to go live with this site soon.</a:t>
+            </a:r>
+          </a:p>
+          <a:p>
+            <a:pPr algn="just">
+              <a:buFont typeface="Arial" pitchFamily="34" charset="0"/>
+              <a:buChar char="•"/>
+            </a:pPr>
+            <a:r>
+              <a:rPr lang="en-IN" sz="1950" dirty="0" smtClean="0">
+                <a:solidFill>
+                  <a:schemeClr val="accent1"/>
+                </a:solidFill>
+              </a:rPr>
+              <a:t> We are also looking forward to add new features like location specific tasks suggestions to the user </a:t>
+            </a:r>
+            <a:r>
+              <a:rPr lang="en-IN" sz="1950" dirty="0" err="1" smtClean="0">
+                <a:solidFill>
+                  <a:schemeClr val="accent1"/>
+                </a:solidFill>
+              </a:rPr>
+              <a:t>e.g</a:t>
+            </a:r>
+            <a:r>
+              <a:rPr lang="en-IN" sz="1950" dirty="0" smtClean="0">
+                <a:solidFill>
+                  <a:schemeClr val="accent1"/>
+                </a:solidFill>
+              </a:rPr>
+              <a:t>, an individual from arid area would be </a:t>
+            </a:r>
+            <a:r>
+              <a:rPr lang="en-IN" sz="1950" dirty="0" smtClean="0">
+                <a:solidFill>
+                  <a:schemeClr val="accent1"/>
+                </a:solidFill>
+              </a:rPr>
+              <a:t>sugges</a:t>
+            </a:r>
+            <a:r>
+              <a:rPr lang="en-IN" sz="1950" dirty="0" smtClean="0">
+                <a:solidFill>
+                  <a:schemeClr val="accent1"/>
+                </a:solidFill>
+              </a:rPr>
+              <a:t>ted to </a:t>
+            </a:r>
+            <a:r>
+              <a:rPr lang="en-IN" sz="1950" dirty="0" err="1" smtClean="0">
+                <a:solidFill>
+                  <a:schemeClr val="accent1"/>
+                </a:solidFill>
+              </a:rPr>
+              <a:t>partcipate</a:t>
+            </a:r>
+            <a:r>
+              <a:rPr lang="en-IN" sz="1950" dirty="0" smtClean="0">
+                <a:solidFill>
+                  <a:schemeClr val="accent1"/>
+                </a:solidFill>
+              </a:rPr>
+              <a:t> </a:t>
+            </a:r>
+            <a:r>
+              <a:rPr lang="en-IN" sz="1950" dirty="0" smtClean="0">
+                <a:solidFill>
+                  <a:schemeClr val="accent1"/>
+                </a:solidFill>
+              </a:rPr>
+              <a:t>in Rain Water Harvesting Campaign than in Cleanliness drive.</a:t>
+            </a:r>
+            <a:endParaRPr lang="en-IN" sz="1950" dirty="0">
               <a:solidFill>
                 <a:schemeClr val="accent1"/>
               </a:solidFill>
@@ -5908,7 +5991,7 @@
     <a:masterClrMapping/>
   </p:clrMapOvr>
   <mc:AlternateContent xmlns:mc="http://schemas.openxmlformats.org/markup-compatibility/2006">
-    <mc:Choice xmlns:mv="urn:schemas-microsoft-com:mac:vml" xmlns:p14="http://schemas.microsoft.com/office/powerpoint/2010/main" xmlns="" Requires="p14">
+    <mc:Choice xmlns="" xmlns:p14="http://schemas.microsoft.com/office/powerpoint/2010/main" xmlns:mv="urn:schemas-microsoft-com:mac:vml" Requires="p14">
       <p:transition p14:dur="300">
         <p:fade/>
       </p:transition>
@@ -5980,7 +6063,7 @@
     <a:masterClrMapping/>
   </p:clrMapOvr>
   <mc:AlternateContent xmlns:mc="http://schemas.openxmlformats.org/markup-compatibility/2006">
-    <mc:Choice xmlns:mv="urn:schemas-microsoft-com:mac:vml" xmlns:p14="http://schemas.microsoft.com/office/powerpoint/2010/main" xmlns="" Requires="p14">
+    <mc:Choice xmlns="" xmlns:p14="http://schemas.microsoft.com/office/powerpoint/2010/main" xmlns:mv="urn:schemas-microsoft-com:mac:vml" Requires="p14">
       <p:transition p14:dur="300">
         <p:fade/>
       </p:transition>
@@ -6245,7 +6328,7 @@
   <a:extraClrSchemeLst/>
   <a:extLst>
     <a:ext uri="{05A4C25C-085E-4340-85A3-A5531E510DB2}">
-      <thm15:themeFamily xmlns:thm15="http://schemas.microsoft.com/office/thememl/2012/main" xmlns="" name="Facet" id="{C0C680CD-088A-49FC-A102-D699147F32B2}" vid="{CFBC31BA-B70F-4F30-BCAA-4F3011E16C4D}"/>
+      <thm15:themeFamily xmlns="" xmlns:thm15="http://schemas.microsoft.com/office/thememl/2012/main" name="Facet" id="{C0C680CD-088A-49FC-A102-D699147F32B2}" vid="{CFBC31BA-B70F-4F30-BCAA-4F3011E16C4D}"/>
     </a:ext>
   </a:extLst>
 </a:theme>
